--- a/public/Online_Task/Stimuli/uws_instr_slides_ver2.pptx
+++ b/public/Online_Task/Stimuli/uws_instr_slides_ver2.pptx
@@ -219,7 +219,7 @@
           <a:p>
             <a:fld id="{13EAB001-375A-47A6-A0AF-DD7CD76DA757}" type="datetimeFigureOut">
               <a:rPr lang="en-GB" smtClean="0"/>
-              <a:t>31/10/2019</a:t>
+              <a:t>04/11/2019</a:t>
             </a:fld>
             <a:endParaRPr lang="en-GB"/>
           </a:p>
@@ -836,7 +836,7 @@
           <a:p>
             <a:fld id="{538185A6-F7C7-2D4F-BA59-879D5B10606E}" type="datetimeFigureOut">
               <a:rPr lang="en-US" smtClean="0"/>
-              <a:t>10/31/2019</a:t>
+              <a:t>11/4/2019</a:t>
             </a:fld>
             <a:endParaRPr lang="en-US"/>
           </a:p>
@@ -1006,7 +1006,7 @@
           <a:p>
             <a:fld id="{538185A6-F7C7-2D4F-BA59-879D5B10606E}" type="datetimeFigureOut">
               <a:rPr lang="en-US" smtClean="0"/>
-              <a:t>10/31/2019</a:t>
+              <a:t>11/4/2019</a:t>
             </a:fld>
             <a:endParaRPr lang="en-US"/>
           </a:p>
@@ -1186,7 +1186,7 @@
           <a:p>
             <a:fld id="{538185A6-F7C7-2D4F-BA59-879D5B10606E}" type="datetimeFigureOut">
               <a:rPr lang="en-US" smtClean="0"/>
-              <a:t>10/31/2019</a:t>
+              <a:t>11/4/2019</a:t>
             </a:fld>
             <a:endParaRPr lang="en-US"/>
           </a:p>
@@ -1356,7 +1356,7 @@
           <a:p>
             <a:fld id="{538185A6-F7C7-2D4F-BA59-879D5B10606E}" type="datetimeFigureOut">
               <a:rPr lang="en-US" smtClean="0"/>
-              <a:t>10/31/2019</a:t>
+              <a:t>11/4/2019</a:t>
             </a:fld>
             <a:endParaRPr lang="en-US"/>
           </a:p>
@@ -1602,7 +1602,7 @@
           <a:p>
             <a:fld id="{538185A6-F7C7-2D4F-BA59-879D5B10606E}" type="datetimeFigureOut">
               <a:rPr lang="en-US" smtClean="0"/>
-              <a:t>10/31/2019</a:t>
+              <a:t>11/4/2019</a:t>
             </a:fld>
             <a:endParaRPr lang="en-US"/>
           </a:p>
@@ -1890,7 +1890,7 @@
           <a:p>
             <a:fld id="{538185A6-F7C7-2D4F-BA59-879D5B10606E}" type="datetimeFigureOut">
               <a:rPr lang="en-US" smtClean="0"/>
-              <a:t>10/31/2019</a:t>
+              <a:t>11/4/2019</a:t>
             </a:fld>
             <a:endParaRPr lang="en-US"/>
           </a:p>
@@ -2312,7 +2312,7 @@
           <a:p>
             <a:fld id="{538185A6-F7C7-2D4F-BA59-879D5B10606E}" type="datetimeFigureOut">
               <a:rPr lang="en-US" smtClean="0"/>
-              <a:t>10/31/2019</a:t>
+              <a:t>11/4/2019</a:t>
             </a:fld>
             <a:endParaRPr lang="en-US"/>
           </a:p>
@@ -2430,7 +2430,7 @@
           <a:p>
             <a:fld id="{538185A6-F7C7-2D4F-BA59-879D5B10606E}" type="datetimeFigureOut">
               <a:rPr lang="en-US" smtClean="0"/>
-              <a:t>10/31/2019</a:t>
+              <a:t>11/4/2019</a:t>
             </a:fld>
             <a:endParaRPr lang="en-US"/>
           </a:p>
@@ -2525,7 +2525,7 @@
           <a:p>
             <a:fld id="{538185A6-F7C7-2D4F-BA59-879D5B10606E}" type="datetimeFigureOut">
               <a:rPr lang="en-US" smtClean="0"/>
-              <a:t>10/31/2019</a:t>
+              <a:t>11/4/2019</a:t>
             </a:fld>
             <a:endParaRPr lang="en-US"/>
           </a:p>
@@ -2802,7 +2802,7 @@
           <a:p>
             <a:fld id="{538185A6-F7C7-2D4F-BA59-879D5B10606E}" type="datetimeFigureOut">
               <a:rPr lang="en-US" smtClean="0"/>
-              <a:t>10/31/2019</a:t>
+              <a:t>11/4/2019</a:t>
             </a:fld>
             <a:endParaRPr lang="en-US"/>
           </a:p>
@@ -3055,7 +3055,7 @@
           <a:p>
             <a:fld id="{538185A6-F7C7-2D4F-BA59-879D5B10606E}" type="datetimeFigureOut">
               <a:rPr lang="en-US" smtClean="0"/>
-              <a:t>10/31/2019</a:t>
+              <a:t>11/4/2019</a:t>
             </a:fld>
             <a:endParaRPr lang="en-US"/>
           </a:p>
@@ -3268,7 +3268,7 @@
           <a:p>
             <a:fld id="{538185A6-F7C7-2D4F-BA59-879D5B10606E}" type="datetimeFigureOut">
               <a:rPr lang="en-US" smtClean="0"/>
-              <a:t>10/31/2019</a:t>
+              <a:t>11/4/2019</a:t>
             </a:fld>
             <a:endParaRPr lang="en-US"/>
           </a:p>
@@ -3676,7 +3676,6 @@
               <a:rPr lang="en-US" sz="2400" dirty="0" smtClean="0"/>
               <a:t>Experiment!</a:t>
             </a:r>
-            <a:endParaRPr lang="en-US" sz="2400" dirty="0" smtClean="0"/>
           </a:p>
           <a:p>
             <a:pPr marL="0" indent="0">
@@ -3690,19 +3689,15 @@
             </a:pPr>
             <a:r>
               <a:rPr lang="en-US" sz="2400" dirty="0" smtClean="0"/>
-              <a:t>The entire </a:t>
+              <a:t>The entire session should take </a:t>
             </a:r>
             <a:r>
               <a:rPr lang="en-US" sz="2400" dirty="0" smtClean="0"/>
-              <a:t>session </a:t>
+              <a:t>between</a:t>
             </a:r>
             <a:r>
               <a:rPr lang="en-US" sz="2400" dirty="0" smtClean="0"/>
-              <a:t>should take about </a:t>
-            </a:r>
-            <a:r>
-              <a:rPr lang="en-US" sz="2400" dirty="0" smtClean="0"/>
-              <a:t>60 </a:t>
+              <a:t> 80 and 120 </a:t>
             </a:r>
             <a:r>
               <a:rPr lang="en-US" sz="2400" dirty="0" smtClean="0"/>
@@ -3710,38 +3705,15 @@
             </a:r>
             <a:r>
               <a:rPr lang="en-US" sz="2400" dirty="0" smtClean="0"/>
-              <a:t>£8.00 </a:t>
+              <a:t>£12.00 </a:t>
             </a:r>
             <a:r>
               <a:rPr lang="en-US" sz="2400" dirty="0" smtClean="0"/>
-              <a:t>for completing it, with an opportunity for a bonus of up to </a:t>
-            </a:r>
-            <a:r>
-              <a:rPr lang="en-US" sz="2400" dirty="0" smtClean="0"/>
-              <a:t>£4.00 </a:t>
-            </a:r>
-            <a:r>
-              <a:rPr lang="en-US" sz="2400" dirty="0" smtClean="0"/>
-              <a:t>depending on your performance</a:t>
+              <a:t>for completing it, with an opportunity for a bonus of up to £4.00 depending on your performance</a:t>
             </a:r>
             <a:r>
               <a:rPr lang="en-US" sz="2400" dirty="0" smtClean="0"/>
               <a:t>.</a:t>
-            </a:r>
-          </a:p>
-          <a:p>
-            <a:pPr marL="0" indent="0">
-              <a:buNone/>
-            </a:pPr>
-            <a:endParaRPr lang="en-US" sz="2400" dirty="0"/>
-          </a:p>
-          <a:p>
-            <a:pPr marL="0" indent="0">
-              <a:buNone/>
-            </a:pPr>
-            <a:r>
-              <a:rPr lang="en-US" sz="2400" dirty="0" smtClean="0"/>
-              <a:t>Afterwards, you will be debriefed on the task.</a:t>
             </a:r>
             <a:endParaRPr lang="en-US" sz="2400" dirty="0" smtClean="0"/>
           </a:p>
@@ -3802,7 +3774,7 @@
         </p:spPr>
         <p:txBody>
           <a:bodyPr>
-            <a:normAutofit/>
+            <a:normAutofit lnSpcReduction="10000"/>
           </a:bodyPr>
           <a:lstStyle/>
           <a:p>
@@ -3814,7 +3786,23 @@
           <a:p>
             <a:r>
               <a:rPr lang="en-GB" sz="2400" b="1" dirty="0" smtClean="0"/>
-              <a:t>Answering these attention check questions correctly is extremely important. For each attention check question you answer wrong, you will lose 25 pence from your bonus.</a:t>
+              <a:t>Answering these attention check questions correctly is extremely important. </a:t>
+            </a:r>
+            <a:r>
+              <a:rPr lang="en-GB" sz="2400" b="1" dirty="0" smtClean="0"/>
+              <a:t>At the end of the task, the computer will pick a round at random. For </a:t>
+            </a:r>
+            <a:r>
+              <a:rPr lang="en-GB" sz="2400" b="1" dirty="0" smtClean="0"/>
+              <a:t>each attention check question you </a:t>
+            </a:r>
+            <a:r>
+              <a:rPr lang="en-GB" sz="2400" b="1" dirty="0" smtClean="0"/>
+              <a:t>answered wrong in this round, </a:t>
+            </a:r>
+            <a:r>
+              <a:rPr lang="en-GB" sz="2400" b="1" dirty="0" smtClean="0"/>
+              <a:t>you will lose 25 pence from your bonus.</a:t>
             </a:r>
           </a:p>
           <a:p>
@@ -4599,7 +4587,7 @@
         </p:nvSpPr>
         <p:spPr>
           <a:xfrm>
-            <a:off x="7315497" y="1345859"/>
+            <a:off x="7315497" y="1536777"/>
             <a:ext cx="1134000" cy="621000"/>
           </a:xfrm>
           <a:prstGeom prst="rect">
@@ -4654,7 +4642,7 @@
         </p:blipFill>
         <p:spPr>
           <a:xfrm>
-            <a:off x="7407817" y="1403442"/>
+            <a:off x="7407817" y="1594360"/>
             <a:ext cx="513000" cy="513000"/>
           </a:xfrm>
           <a:prstGeom prst="rect">
@@ -4670,7 +4658,7 @@
         </p:nvSpPr>
         <p:spPr>
           <a:xfrm>
-            <a:off x="7968434" y="1529347"/>
+            <a:off x="7968434" y="1720265"/>
             <a:ext cx="433447" cy="300082"/>
           </a:xfrm>
           <a:prstGeom prst="rect">
@@ -4703,7 +4691,7 @@
         </p:nvSpPr>
         <p:spPr>
           <a:xfrm>
-            <a:off x="7220115" y="1054623"/>
+            <a:off x="7220115" y="1245541"/>
             <a:ext cx="1614956" cy="300082"/>
           </a:xfrm>
           <a:prstGeom prst="rect">
@@ -5104,15 +5092,7 @@
           <a:p>
             <a:r>
               <a:rPr lang="en-US" sz="1800" dirty="0" smtClean="0"/>
-              <a:t>In the upcoming task, for each slot-machine, you’ll be exposed to the chances that </a:t>
-            </a:r>
-            <a:r>
-              <a:rPr lang="en-US" sz="1800" dirty="0" smtClean="0"/>
-              <a:t>a given </a:t>
-            </a:r>
-            <a:r>
-              <a:rPr lang="en-US" sz="1800" dirty="0" smtClean="0"/>
-              <a:t>slot-machine leads to either banknote. Then you’ll have the chance to play that slot-machine a number of times. There will be some attention check questions interspersed here. Your correctness on these will contribute toward your bonus.</a:t>
+              <a:t>In the upcoming task, for each slot-machine, you’ll be exposed to the chances that a given slot-machine leads to either banknote. Then you’ll have the chance to play that slot-machine a number of times. There will be some attention check questions interspersed here. Your correctness on these will contribute toward your bonus.</a:t>
             </a:r>
           </a:p>
           <a:p>
@@ -5124,23 +5104,7 @@
           <a:p>
             <a:r>
               <a:rPr lang="en-US" sz="1800" dirty="0" smtClean="0"/>
-              <a:t>We will complete </a:t>
-            </a:r>
-            <a:r>
-              <a:rPr lang="en-US" sz="1800" dirty="0" smtClean="0"/>
-              <a:t>4 </a:t>
-            </a:r>
-            <a:r>
-              <a:rPr lang="en-US" sz="1800" dirty="0" smtClean="0"/>
-              <a:t>rounds of this. Your bonus </a:t>
-            </a:r>
-            <a:r>
-              <a:rPr lang="en-US" sz="1800" dirty="0" smtClean="0"/>
-              <a:t>will partly </a:t>
-            </a:r>
-            <a:r>
-              <a:rPr lang="en-US" sz="1800" dirty="0" smtClean="0"/>
-              <a:t>depend on the total number of quiz questions you answer correctly as well as your answers to attention check questions. Please try to get as many questions correct as you can. </a:t>
+              <a:t>We will complete 4 rounds of this. Your bonus will partly depend on the total number of quiz questions you answer correctly as well as your answers to attention check questions. Please try to get as many questions correct as you can. </a:t>
             </a:r>
           </a:p>
         </p:txBody>
@@ -7224,7 +7188,7 @@
             </a:r>
             <a:r>
               <a:rPr lang="en-US" sz="2400" dirty="0" smtClean="0"/>
-              <a:t>4 </a:t>
+              <a:t>8 </a:t>
             </a:r>
             <a:r>
               <a:rPr lang="en-US" sz="2400" dirty="0" smtClean="0"/>
@@ -7233,8 +7197,12 @@
           </a:p>
           <a:p>
             <a:r>
+              <a:rPr lang="en-US" sz="2400" b="1" dirty="0" smtClean="0"/>
+              <a:t>Your bonus will be proportional to the average number of points received on these decisions</a:t>
+            </a:r>
+            <a:r>
               <a:rPr lang="en-US" sz="2400" dirty="0" smtClean="0"/>
-              <a:t>Your bonus will be proportional to the average number of points received on these decisions.  </a:t>
+              <a:t>.  </a:t>
             </a:r>
             <a:r>
               <a:rPr lang="en-US" sz="2400" dirty="0"/>
@@ -7833,11 +7801,7 @@
             </a:r>
             <a:r>
               <a:rPr lang="en-GB" sz="2200" dirty="0" smtClean="0"/>
-              <a:t> </a:t>
-            </a:r>
-            <a:r>
-              <a:rPr lang="en-GB" sz="2200" dirty="0" smtClean="0"/>
-              <a:t>or </a:t>
+              <a:t> or </a:t>
             </a:r>
             <a:r>
               <a:rPr lang="en-GB" sz="2200" b="1" dirty="0" smtClean="0"/>
@@ -7845,11 +7809,7 @@
             </a:r>
             <a:r>
               <a:rPr lang="en-GB" sz="2200" dirty="0" smtClean="0"/>
-              <a:t> </a:t>
-            </a:r>
-            <a:r>
-              <a:rPr lang="en-GB" sz="2200" dirty="0" smtClean="0"/>
-              <a:t>banknote.</a:t>
+              <a:t> banknote.</a:t>
             </a:r>
           </a:p>
           <a:p>
@@ -7919,11 +7879,7 @@
             </a:r>
             <a:r>
               <a:rPr lang="en-GB" sz="2200" dirty="0" smtClean="0"/>
-              <a:t> </a:t>
-            </a:r>
-            <a:r>
-              <a:rPr lang="en-GB" sz="2200" dirty="0" smtClean="0"/>
-              <a:t>banknote.</a:t>
+              <a:t> banknote.</a:t>
             </a:r>
             <a:endParaRPr lang="en-GB" sz="2200" dirty="0"/>
           </a:p>
@@ -8227,11 +8183,7 @@
           <a:p>
             <a:r>
               <a:rPr lang="en-GB" dirty="0" smtClean="0"/>
-              <a:t>SCISSORS </a:t>
-            </a:r>
-            <a:r>
-              <a:rPr lang="en-GB" dirty="0" smtClean="0"/>
-              <a:t>Banknote</a:t>
+              <a:t>SCISSORS Banknote</a:t>
             </a:r>
             <a:endParaRPr lang="en-GB" dirty="0"/>
           </a:p>
@@ -8261,11 +8213,7 @@
           <a:p>
             <a:r>
               <a:rPr lang="en-GB" dirty="0" smtClean="0"/>
-              <a:t>GIRL </a:t>
-            </a:r>
-            <a:r>
-              <a:rPr lang="en-GB" dirty="0" smtClean="0"/>
-              <a:t>Banknote</a:t>
+              <a:t>GIRL Banknote</a:t>
             </a:r>
             <a:endParaRPr lang="en-GB" dirty="0"/>
           </a:p>
@@ -8434,15 +8382,7 @@
           <a:p>
             <a:r>
               <a:rPr lang="en-GB" dirty="0" smtClean="0"/>
-              <a:t>Rejecting always leads to the </a:t>
-            </a:r>
-            <a:r>
-              <a:rPr lang="en-GB" dirty="0" smtClean="0"/>
-              <a:t>HOUSE </a:t>
-            </a:r>
-            <a:r>
-              <a:rPr lang="en-GB" dirty="0" smtClean="0"/>
-              <a:t>banknote.</a:t>
+              <a:t>Rejecting always leads to the HOUSE banknote.</a:t>
             </a:r>
             <a:endParaRPr lang="en-GB" dirty="0"/>
           </a:p>
@@ -8472,11 +8412,7 @@
           <a:p>
             <a:r>
               <a:rPr lang="en-GB" dirty="0" smtClean="0"/>
-              <a:t>HOUSE </a:t>
-            </a:r>
-            <a:r>
-              <a:rPr lang="en-GB" dirty="0" smtClean="0"/>
-              <a:t>Banknote</a:t>
+              <a:t>HOUSE Banknote</a:t>
             </a:r>
             <a:endParaRPr lang="en-GB" dirty="0"/>
           </a:p>
@@ -8930,43 +8866,7 @@
           <a:p>
             <a:r>
               <a:rPr lang="en-GB" sz="1200" dirty="0" smtClean="0"/>
-              <a:t>This screen from a hypothetical game shows that for this game, if you PLAY the slot machine, you will either get the </a:t>
-            </a:r>
-            <a:r>
-              <a:rPr lang="en-GB" sz="1200" dirty="0" smtClean="0"/>
-              <a:t>GIRL </a:t>
-            </a:r>
-            <a:r>
-              <a:rPr lang="en-GB" sz="1200" dirty="0" smtClean="0"/>
-              <a:t>banknote and collect 72 points or the </a:t>
-            </a:r>
-            <a:r>
-              <a:rPr lang="en-GB" sz="1200" dirty="0" smtClean="0"/>
-              <a:t>SCISSORS</a:t>
-            </a:r>
-            <a:r>
-              <a:rPr lang="en-GB" sz="1200" dirty="0" smtClean="0"/>
-              <a:t> </a:t>
-            </a:r>
-            <a:r>
-              <a:rPr lang="en-GB" sz="1200" dirty="0" smtClean="0"/>
-              <a:t>banknote and collect 8 points. If you </a:t>
-            </a:r>
-            <a:r>
-              <a:rPr lang="en-GB" sz="1200" dirty="0" smtClean="0"/>
-              <a:t>the </a:t>
-            </a:r>
-            <a:r>
-              <a:rPr lang="en-GB" sz="1200" dirty="0" smtClean="0"/>
-              <a:t>slot machine, you’ll get the </a:t>
-            </a:r>
-            <a:r>
-              <a:rPr lang="en-GB" sz="1200" dirty="0" smtClean="0"/>
-              <a:t>HOUSE banknote </a:t>
-            </a:r>
-            <a:r>
-              <a:rPr lang="en-GB" sz="1200" dirty="0" smtClean="0"/>
-              <a:t>and collect 48 points.</a:t>
+              <a:t>This screen from a hypothetical game shows that for this game, if you PLAY the slot machine, you will either get the GIRL banknote and collect 72 points or the SCISSORS banknote and collect 8 points. If you the slot machine, you’ll get the HOUSE banknote and collect 48 points.</a:t>
             </a:r>
           </a:p>
         </p:txBody>
